--- a/Img/HSIinstruction.pptx
+++ b/Img/HSIinstruction.pptx
@@ -5,10 +5,11 @@
     <p:sldMasterId id="2147483660" r:id="rId1"/>
   </p:sldMasterIdLst>
   <p:notesMasterIdLst>
-    <p:notesMasterId r:id="rId3"/>
+    <p:notesMasterId r:id="rId4"/>
   </p:notesMasterIdLst>
   <p:sldIdLst>
     <p:sldId id="256" r:id="rId2"/>
+    <p:sldId id="257" r:id="rId3"/>
   </p:sldIdLst>
   <p:sldSz cx="9144000" cy="6858000" type="screen4x3"/>
   <p:notesSz cx="6858000" cy="9144000"/>
@@ -107,6 +108,14 @@
       </a:defRPr>
     </a:lvl9pPr>
   </p:defaultTextStyle>
+  <p:extLst>
+    <p:ext uri="{EFAFB233-063F-42B5-8137-9DF3F51BA10A}">
+      <p15:sldGuideLst xmlns:p15="http://schemas.microsoft.com/office/powerpoint/2012/main"/>
+    </p:ext>
+    <p:ext uri="{2D200454-40CA-4A62-9FC3-DE9A4176ACB9}">
+      <p15:notesGuideLst xmlns:p15="http://schemas.microsoft.com/office/powerpoint/2012/main"/>
+    </p:ext>
+  </p:extLst>
 </p:presentation>
 </file>
 
@@ -192,7 +201,7 @@
           <a:p>
             <a:fld id="{1D2BB1C7-89B9-1C4D-B5CC-42EA9F95F75F}" type="datetimeFigureOut">
               <a:rPr kumimoji="1" lang="zh-TW" altLang="en-US" smtClean="0"/>
-              <a:t>2020/11/23</a:t>
+              <a:t>2020/11/30</a:t>
             </a:fld>
             <a:endParaRPr kumimoji="1" lang="zh-TW" altLang="en-US"/>
           </a:p>
@@ -600,7 +609,7 @@
           <a:p>
             <a:fld id="{8F70553E-371F-CD4F-85A3-A21FEAF81C80}" type="datetimeFigureOut">
               <a:rPr kumimoji="1" lang="zh-TW" altLang="en-US" smtClean="0"/>
-              <a:t>2020/11/23</a:t>
+              <a:t>2020/11/30</a:t>
             </a:fld>
             <a:endParaRPr kumimoji="1" lang="zh-TW" altLang="en-US"/>
           </a:p>
@@ -770,7 +779,7 @@
           <a:p>
             <a:fld id="{8F70553E-371F-CD4F-85A3-A21FEAF81C80}" type="datetimeFigureOut">
               <a:rPr kumimoji="1" lang="zh-TW" altLang="en-US" smtClean="0"/>
-              <a:t>2020/11/23</a:t>
+              <a:t>2020/11/30</a:t>
             </a:fld>
             <a:endParaRPr kumimoji="1" lang="zh-TW" altLang="en-US"/>
           </a:p>
@@ -950,7 +959,7 @@
           <a:p>
             <a:fld id="{8F70553E-371F-CD4F-85A3-A21FEAF81C80}" type="datetimeFigureOut">
               <a:rPr kumimoji="1" lang="zh-TW" altLang="en-US" smtClean="0"/>
-              <a:t>2020/11/23</a:t>
+              <a:t>2020/11/30</a:t>
             </a:fld>
             <a:endParaRPr kumimoji="1" lang="zh-TW" altLang="en-US"/>
           </a:p>
@@ -1120,7 +1129,7 @@
           <a:p>
             <a:fld id="{8F70553E-371F-CD4F-85A3-A21FEAF81C80}" type="datetimeFigureOut">
               <a:rPr kumimoji="1" lang="zh-TW" altLang="en-US" smtClean="0"/>
-              <a:t>2020/11/23</a:t>
+              <a:t>2020/11/30</a:t>
             </a:fld>
             <a:endParaRPr kumimoji="1" lang="zh-TW" altLang="en-US"/>
           </a:p>
@@ -1364,7 +1373,7 @@
           <a:p>
             <a:fld id="{8F70553E-371F-CD4F-85A3-A21FEAF81C80}" type="datetimeFigureOut">
               <a:rPr kumimoji="1" lang="zh-TW" altLang="en-US" smtClean="0"/>
-              <a:t>2020/11/23</a:t>
+              <a:t>2020/11/30</a:t>
             </a:fld>
             <a:endParaRPr kumimoji="1" lang="zh-TW" altLang="en-US"/>
           </a:p>
@@ -1596,7 +1605,7 @@
           <a:p>
             <a:fld id="{8F70553E-371F-CD4F-85A3-A21FEAF81C80}" type="datetimeFigureOut">
               <a:rPr kumimoji="1" lang="zh-TW" altLang="en-US" smtClean="0"/>
-              <a:t>2020/11/23</a:t>
+              <a:t>2020/11/30</a:t>
             </a:fld>
             <a:endParaRPr kumimoji="1" lang="zh-TW" altLang="en-US"/>
           </a:p>
@@ -1963,7 +1972,7 @@
           <a:p>
             <a:fld id="{8F70553E-371F-CD4F-85A3-A21FEAF81C80}" type="datetimeFigureOut">
               <a:rPr kumimoji="1" lang="zh-TW" altLang="en-US" smtClean="0"/>
-              <a:t>2020/11/23</a:t>
+              <a:t>2020/11/30</a:t>
             </a:fld>
             <a:endParaRPr kumimoji="1" lang="zh-TW" altLang="en-US"/>
           </a:p>
@@ -2081,7 +2090,7 @@
           <a:p>
             <a:fld id="{8F70553E-371F-CD4F-85A3-A21FEAF81C80}" type="datetimeFigureOut">
               <a:rPr kumimoji="1" lang="zh-TW" altLang="en-US" smtClean="0"/>
-              <a:t>2020/11/23</a:t>
+              <a:t>2020/11/30</a:t>
             </a:fld>
             <a:endParaRPr kumimoji="1" lang="zh-TW" altLang="en-US"/>
           </a:p>
@@ -2176,7 +2185,7 @@
           <a:p>
             <a:fld id="{8F70553E-371F-CD4F-85A3-A21FEAF81C80}" type="datetimeFigureOut">
               <a:rPr kumimoji="1" lang="zh-TW" altLang="en-US" smtClean="0"/>
-              <a:t>2020/11/23</a:t>
+              <a:t>2020/11/30</a:t>
             </a:fld>
             <a:endParaRPr kumimoji="1" lang="zh-TW" altLang="en-US"/>
           </a:p>
@@ -2453,7 +2462,7 @@
           <a:p>
             <a:fld id="{8F70553E-371F-CD4F-85A3-A21FEAF81C80}" type="datetimeFigureOut">
               <a:rPr kumimoji="1" lang="zh-TW" altLang="en-US" smtClean="0"/>
-              <a:t>2020/11/23</a:t>
+              <a:t>2020/11/30</a:t>
             </a:fld>
             <a:endParaRPr kumimoji="1" lang="zh-TW" altLang="en-US"/>
           </a:p>
@@ -2710,7 +2719,7 @@
           <a:p>
             <a:fld id="{8F70553E-371F-CD4F-85A3-A21FEAF81C80}" type="datetimeFigureOut">
               <a:rPr kumimoji="1" lang="zh-TW" altLang="en-US" smtClean="0"/>
-              <a:t>2020/11/23</a:t>
+              <a:t>2020/11/30</a:t>
             </a:fld>
             <a:endParaRPr kumimoji="1" lang="zh-TW" altLang="en-US"/>
           </a:p>
@@ -2923,7 +2932,7 @@
           <a:p>
             <a:fld id="{8F70553E-371F-CD4F-85A3-A21FEAF81C80}" type="datetimeFigureOut">
               <a:rPr kumimoji="1" lang="zh-TW" altLang="en-US" smtClean="0"/>
-              <a:t>2020/11/23</a:t>
+              <a:t>2020/11/30</a:t>
             </a:fld>
             <a:endParaRPr kumimoji="1" lang="zh-TW" altLang="en-US"/>
           </a:p>
@@ -3476,6 +3485,423 @@
     <p:extLst>
       <p:ext uri="{BB962C8B-B14F-4D97-AF65-F5344CB8AC3E}">
         <p14:creationId xmlns:p14="http://schemas.microsoft.com/office/powerpoint/2010/main" val="248389629"/>
+      </p:ext>
+    </p:extLst>
+  </p:cSld>
+  <p:clrMapOvr>
+    <a:masterClrMapping/>
+  </p:clrMapOvr>
+</p:sld>
+</file>
+
+<file path=ppt/slides/slide2.xml><?xml version="1.0" encoding="utf-8"?>
+<p:sld xmlns:a="http://schemas.openxmlformats.org/drawingml/2006/main" xmlns:r="http://schemas.openxmlformats.org/officeDocument/2006/relationships" xmlns:p="http://schemas.openxmlformats.org/presentationml/2006/main">
+  <p:cSld>
+    <p:spTree>
+      <p:nvGrpSpPr>
+        <p:cNvPr id="1" name=""/>
+        <p:cNvGrpSpPr/>
+        <p:nvPr/>
+      </p:nvGrpSpPr>
+      <p:grpSpPr>
+        <a:xfrm>
+          <a:off x="0" y="0"/>
+          <a:ext cx="0" cy="0"/>
+          <a:chOff x="0" y="0"/>
+          <a:chExt cx="0" cy="0"/>
+        </a:xfrm>
+      </p:grpSpPr>
+      <p:sp>
+        <p:nvSpPr>
+          <p:cNvPr id="17" name="矩形 16">
+            <a:extLst>
+              <a:ext uri="{FF2B5EF4-FFF2-40B4-BE49-F238E27FC236}">
+                <a16:creationId xmlns:a16="http://schemas.microsoft.com/office/drawing/2014/main" id="{CB4BFEC2-47ED-F947-BC68-0A8F13CE75FB}"/>
+              </a:ext>
+            </a:extLst>
+          </p:cNvPr>
+          <p:cNvSpPr/>
+          <p:nvPr/>
+        </p:nvSpPr>
+        <p:spPr>
+          <a:xfrm>
+            <a:off x="1478000" y="953871"/>
+            <a:ext cx="6188002" cy="2841876"/>
+          </a:xfrm>
+          <a:prstGeom prst="rect">
+            <a:avLst/>
+          </a:prstGeom>
+          <a:solidFill>
+            <a:schemeClr val="bg1">
+              <a:lumMod val="85000"/>
+            </a:schemeClr>
+          </a:solidFill>
+          <a:ln>
+            <a:noFill/>
+          </a:ln>
+        </p:spPr>
+        <p:style>
+          <a:lnRef idx="2">
+            <a:schemeClr val="accent1">
+              <a:shade val="50000"/>
+            </a:schemeClr>
+          </a:lnRef>
+          <a:fillRef idx="1">
+            <a:schemeClr val="accent1"/>
+          </a:fillRef>
+          <a:effectRef idx="0">
+            <a:schemeClr val="accent1"/>
+          </a:effectRef>
+          <a:fontRef idx="minor">
+            <a:schemeClr val="lt1"/>
+          </a:fontRef>
+        </p:style>
+        <p:txBody>
+          <a:bodyPr rtlCol="0" anchor="ctr"/>
+          <a:lstStyle/>
+          <a:p>
+            <a:r>
+              <a:rPr kumimoji="1" lang="zh-TW" altLang="en-US" sz="2800" dirty="0">
+                <a:solidFill>
+                  <a:schemeClr val="tx1">
+                    <a:lumMod val="65000"/>
+                    <a:lumOff val="35000"/>
+                  </a:schemeClr>
+                </a:solidFill>
+                <a:latin typeface="Microsoft JhengHei" panose="020B0604030504040204" pitchFamily="34" charset="-120"/>
+                <a:ea typeface="Microsoft JhengHei" panose="020B0604030504040204" pitchFamily="34" charset="-120"/>
+              </a:rPr>
+              <a:t>接下來會隨機出現上、下、左、右等四個方向的箭頭。請以旋鈕</a:t>
+            </a:r>
+            <a:r>
+              <a:rPr kumimoji="1" lang="en-US" altLang="zh-TW" sz="2800" dirty="0">
+                <a:solidFill>
+                  <a:schemeClr val="tx1">
+                    <a:lumMod val="65000"/>
+                    <a:lumOff val="35000"/>
+                  </a:schemeClr>
+                </a:solidFill>
+                <a:latin typeface="Microsoft JhengHei" panose="020B0604030504040204" pitchFamily="34" charset="-120"/>
+                <a:ea typeface="Microsoft JhengHei" panose="020B0604030504040204" pitchFamily="34" charset="-120"/>
+              </a:rPr>
+              <a:t>/</a:t>
+            </a:r>
+            <a:r>
+              <a:rPr kumimoji="1" lang="zh-TW" altLang="en-US" sz="2800" dirty="0">
+                <a:solidFill>
+                  <a:schemeClr val="tx1">
+                    <a:lumMod val="65000"/>
+                    <a:lumOff val="35000"/>
+                  </a:schemeClr>
+                </a:solidFill>
+                <a:latin typeface="Microsoft JhengHei" panose="020B0604030504040204" pitchFamily="34" charset="-120"/>
+                <a:ea typeface="Microsoft JhengHei" panose="020B0604030504040204" pitchFamily="34" charset="-120"/>
+              </a:rPr>
+              <a:t>搖桿作出與該方向相對應的操作。</a:t>
+            </a:r>
+          </a:p>
+        </p:txBody>
+      </p:sp>
+      <p:pic>
+        <p:nvPicPr>
+          <p:cNvPr id="4" name="Graphic 6" descr="Line arrow Straight">
+            <a:extLst>
+              <a:ext uri="{FF2B5EF4-FFF2-40B4-BE49-F238E27FC236}">
+                <a16:creationId xmlns:a16="http://schemas.microsoft.com/office/drawing/2014/main" id="{CD388FBF-1D0C-A04E-A779-AF48BB62D289}"/>
+              </a:ext>
+            </a:extLst>
+          </p:cNvPr>
+          <p:cNvPicPr>
+            <a:picLocks noChangeAspect="1"/>
+          </p:cNvPicPr>
+          <p:nvPr/>
+        </p:nvPicPr>
+        <p:blipFill>
+          <a:blip r:embed="rId2">
+            <a:extLst>
+              <a:ext uri="{96DAC541-7B7A-43D3-8B79-37D633B846F1}">
+                <asvg:svgBlip xmlns:asvg="http://schemas.microsoft.com/office/drawing/2016/SVG/main" r:embed="rId3"/>
+              </a:ext>
+            </a:extLst>
+          </a:blip>
+          <a:stretch>
+            <a:fillRect/>
+          </a:stretch>
+        </p:blipFill>
+        <p:spPr>
+          <a:xfrm rot="5400000">
+            <a:off x="4044466" y="3442273"/>
+            <a:ext cx="527534" cy="527534"/>
+          </a:xfrm>
+          <a:prstGeom prst="rect">
+            <a:avLst/>
+          </a:prstGeom>
+        </p:spPr>
+      </p:pic>
+      <p:pic>
+        <p:nvPicPr>
+          <p:cNvPr id="5" name="Graphic 6" descr="Line arrow Straight">
+            <a:extLst>
+              <a:ext uri="{FF2B5EF4-FFF2-40B4-BE49-F238E27FC236}">
+                <a16:creationId xmlns:a16="http://schemas.microsoft.com/office/drawing/2014/main" id="{32BA33C2-9C41-474A-B3F5-A050910347A6}"/>
+              </a:ext>
+            </a:extLst>
+          </p:cNvPr>
+          <p:cNvPicPr>
+            <a:picLocks noChangeAspect="1"/>
+          </p:cNvPicPr>
+          <p:nvPr/>
+        </p:nvPicPr>
+        <p:blipFill>
+          <a:blip r:embed="rId2">
+            <a:extLst>
+              <a:ext uri="{96DAC541-7B7A-43D3-8B79-37D633B846F1}">
+                <asvg:svgBlip xmlns:asvg="http://schemas.microsoft.com/office/drawing/2016/SVG/main" r:embed="rId3"/>
+              </a:ext>
+            </a:extLst>
+          </a:blip>
+          <a:stretch>
+            <a:fillRect/>
+          </a:stretch>
+        </p:blipFill>
+        <p:spPr>
+          <a:xfrm rot="16200000">
+            <a:off x="4051285" y="5670324"/>
+            <a:ext cx="527534" cy="527534"/>
+          </a:xfrm>
+          <a:prstGeom prst="rect">
+            <a:avLst/>
+          </a:prstGeom>
+        </p:spPr>
+      </p:pic>
+      <p:pic>
+        <p:nvPicPr>
+          <p:cNvPr id="6" name="Graphic 6" descr="Line arrow Straight">
+            <a:extLst>
+              <a:ext uri="{FF2B5EF4-FFF2-40B4-BE49-F238E27FC236}">
+                <a16:creationId xmlns:a16="http://schemas.microsoft.com/office/drawing/2014/main" id="{F4AB7D23-C015-FF4D-9B15-50DC1102E24E}"/>
+              </a:ext>
+            </a:extLst>
+          </p:cNvPr>
+          <p:cNvPicPr>
+            <a:picLocks noChangeAspect="1"/>
+          </p:cNvPicPr>
+          <p:nvPr/>
+        </p:nvPicPr>
+        <p:blipFill>
+          <a:blip r:embed="rId2">
+            <a:extLst>
+              <a:ext uri="{96DAC541-7B7A-43D3-8B79-37D633B846F1}">
+                <asvg:svgBlip xmlns:asvg="http://schemas.microsoft.com/office/drawing/2016/SVG/main" r:embed="rId3"/>
+              </a:ext>
+            </a:extLst>
+          </a:blip>
+          <a:stretch>
+            <a:fillRect/>
+          </a:stretch>
+        </p:blipFill>
+        <p:spPr>
+          <a:xfrm>
+            <a:off x="2842181" y="4365525"/>
+            <a:ext cx="527534" cy="527534"/>
+          </a:xfrm>
+          <a:prstGeom prst="rect">
+            <a:avLst/>
+          </a:prstGeom>
+        </p:spPr>
+      </p:pic>
+      <p:pic>
+        <p:nvPicPr>
+          <p:cNvPr id="7" name="Graphic 6" descr="Line arrow Straight">
+            <a:extLst>
+              <a:ext uri="{FF2B5EF4-FFF2-40B4-BE49-F238E27FC236}">
+                <a16:creationId xmlns:a16="http://schemas.microsoft.com/office/drawing/2014/main" id="{8713BEC7-5455-8F43-8BA4-3D3CC3F80015}"/>
+              </a:ext>
+            </a:extLst>
+          </p:cNvPr>
+          <p:cNvPicPr>
+            <a:picLocks noChangeAspect="1"/>
+          </p:cNvPicPr>
+          <p:nvPr/>
+        </p:nvPicPr>
+        <p:blipFill>
+          <a:blip r:embed="rId2">
+            <a:extLst>
+              <a:ext uri="{96DAC541-7B7A-43D3-8B79-37D633B846F1}">
+                <asvg:svgBlip xmlns:asvg="http://schemas.microsoft.com/office/drawing/2016/SVG/main" r:embed="rId3"/>
+              </a:ext>
+            </a:extLst>
+          </a:blip>
+          <a:stretch>
+            <a:fillRect/>
+          </a:stretch>
+        </p:blipFill>
+        <p:spPr>
+          <a:xfrm rot="10800000">
+            <a:off x="5246753" y="4365525"/>
+            <a:ext cx="527534" cy="527534"/>
+          </a:xfrm>
+          <a:prstGeom prst="rect">
+            <a:avLst/>
+          </a:prstGeom>
+        </p:spPr>
+      </p:pic>
+      <p:sp>
+        <p:nvSpPr>
+          <p:cNvPr id="2" name="文字方塊 1">
+            <a:extLst>
+              <a:ext uri="{FF2B5EF4-FFF2-40B4-BE49-F238E27FC236}">
+                <a16:creationId xmlns:a16="http://schemas.microsoft.com/office/drawing/2014/main" id="{825FAABC-CCF2-9649-B570-BE2DE7182971}"/>
+              </a:ext>
+            </a:extLst>
+          </p:cNvPr>
+          <p:cNvSpPr txBox="1"/>
+          <p:nvPr/>
+        </p:nvSpPr>
+        <p:spPr>
+          <a:xfrm>
+            <a:off x="4500081" y="5965527"/>
+            <a:ext cx="1107996" cy="369332"/>
+          </a:xfrm>
+          <a:prstGeom prst="rect">
+            <a:avLst/>
+          </a:prstGeom>
+          <a:noFill/>
+        </p:spPr>
+        <p:txBody>
+          <a:bodyPr wrap="none" rtlCol="0">
+            <a:spAutoFit/>
+          </a:bodyPr>
+          <a:lstStyle/>
+          <a:p>
+            <a:r>
+              <a:rPr kumimoji="1" lang="zh-TW" altLang="en-US" dirty="0">
+                <a:latin typeface="Microsoft JhengHei" panose="020B0604030504040204" pitchFamily="34" charset="-120"/>
+                <a:ea typeface="Microsoft JhengHei" panose="020B0604030504040204" pitchFamily="34" charset="-120"/>
+              </a:rPr>
+              <a:t>順時鐘轉</a:t>
+            </a:r>
+          </a:p>
+        </p:txBody>
+      </p:sp>
+      <p:sp>
+        <p:nvSpPr>
+          <p:cNvPr id="8" name="文字方塊 7">
+            <a:extLst>
+              <a:ext uri="{FF2B5EF4-FFF2-40B4-BE49-F238E27FC236}">
+                <a16:creationId xmlns:a16="http://schemas.microsoft.com/office/drawing/2014/main" id="{C5D2AE82-4C8F-6D4F-BB72-2C1A29312AC9}"/>
+              </a:ext>
+            </a:extLst>
+          </p:cNvPr>
+          <p:cNvSpPr txBox="1"/>
+          <p:nvPr/>
+        </p:nvSpPr>
+        <p:spPr>
+          <a:xfrm>
+            <a:off x="4457007" y="3420863"/>
+            <a:ext cx="1107996" cy="369332"/>
+          </a:xfrm>
+          <a:prstGeom prst="rect">
+            <a:avLst/>
+          </a:prstGeom>
+          <a:noFill/>
+        </p:spPr>
+        <p:txBody>
+          <a:bodyPr wrap="none" rtlCol="0">
+            <a:spAutoFit/>
+          </a:bodyPr>
+          <a:lstStyle/>
+          <a:p>
+            <a:r>
+              <a:rPr kumimoji="1" lang="zh-TW" altLang="en-US" dirty="0">
+                <a:latin typeface="Microsoft JhengHei" panose="020B0604030504040204" pitchFamily="34" charset="-120"/>
+                <a:ea typeface="Microsoft JhengHei" panose="020B0604030504040204" pitchFamily="34" charset="-120"/>
+              </a:rPr>
+              <a:t>逆時鐘轉</a:t>
+            </a:r>
+          </a:p>
+        </p:txBody>
+      </p:sp>
+      <p:sp>
+        <p:nvSpPr>
+          <p:cNvPr id="9" name="文字方塊 8">
+            <a:extLst>
+              <a:ext uri="{FF2B5EF4-FFF2-40B4-BE49-F238E27FC236}">
+                <a16:creationId xmlns:a16="http://schemas.microsoft.com/office/drawing/2014/main" id="{A64032DF-1A0B-3143-A75E-B772784D73B7}"/>
+              </a:ext>
+            </a:extLst>
+          </p:cNvPr>
+          <p:cNvSpPr txBox="1"/>
+          <p:nvPr/>
+        </p:nvSpPr>
+        <p:spPr>
+          <a:xfrm>
+            <a:off x="5774287" y="4779737"/>
+            <a:ext cx="877163" cy="369332"/>
+          </a:xfrm>
+          <a:prstGeom prst="rect">
+            <a:avLst/>
+          </a:prstGeom>
+          <a:noFill/>
+        </p:spPr>
+        <p:txBody>
+          <a:bodyPr wrap="none" rtlCol="0">
+            <a:spAutoFit/>
+          </a:bodyPr>
+          <a:lstStyle/>
+          <a:p>
+            <a:r>
+              <a:rPr kumimoji="1" lang="zh-TW" altLang="en-US" dirty="0">
+                <a:latin typeface="Microsoft JhengHei" panose="020B0604030504040204" pitchFamily="34" charset="-120"/>
+                <a:ea typeface="Microsoft JhengHei" panose="020B0604030504040204" pitchFamily="34" charset="-120"/>
+              </a:rPr>
+              <a:t>按旋鈕</a:t>
+            </a:r>
+          </a:p>
+        </p:txBody>
+      </p:sp>
+      <p:sp>
+        <p:nvSpPr>
+          <p:cNvPr id="10" name="文字方塊 9">
+            <a:extLst>
+              <a:ext uri="{FF2B5EF4-FFF2-40B4-BE49-F238E27FC236}">
+                <a16:creationId xmlns:a16="http://schemas.microsoft.com/office/drawing/2014/main" id="{A038E7A4-2997-A444-9B05-6CCAD5669295}"/>
+              </a:ext>
+            </a:extLst>
+          </p:cNvPr>
+          <p:cNvSpPr txBox="1"/>
+          <p:nvPr/>
+        </p:nvSpPr>
+        <p:spPr>
+          <a:xfrm>
+            <a:off x="2228785" y="4779737"/>
+            <a:ext cx="877163" cy="369332"/>
+          </a:xfrm>
+          <a:prstGeom prst="rect">
+            <a:avLst/>
+          </a:prstGeom>
+          <a:noFill/>
+        </p:spPr>
+        <p:txBody>
+          <a:bodyPr wrap="none" rtlCol="0">
+            <a:spAutoFit/>
+          </a:bodyPr>
+          <a:lstStyle/>
+          <a:p>
+            <a:r>
+              <a:rPr kumimoji="1" lang="zh-TW" altLang="en-US" dirty="0">
+                <a:latin typeface="Microsoft JhengHei" panose="020B0604030504040204" pitchFamily="34" charset="-120"/>
+                <a:ea typeface="Microsoft JhengHei" panose="020B0604030504040204" pitchFamily="34" charset="-120"/>
+              </a:rPr>
+              <a:t>按按鈕</a:t>
+            </a:r>
+          </a:p>
+        </p:txBody>
+      </p:sp>
+    </p:spTree>
+    <p:extLst>
+      <p:ext uri="{BB962C8B-B14F-4D97-AF65-F5344CB8AC3E}">
+        <p14:creationId xmlns:p14="http://schemas.microsoft.com/office/powerpoint/2010/main" val="2504029537"/>
       </p:ext>
     </p:extLst>
   </p:cSld>

--- a/Img/HSIinstruction.pptx
+++ b/Img/HSIinstruction.pptx
@@ -3775,12 +3775,16 @@
           <a:lstStyle/>
           <a:p>
             <a:r>
-              <a:rPr kumimoji="1" lang="zh-TW" altLang="en-US" dirty="0">
+              <a:rPr kumimoji="1" lang="zh-TW" altLang="en-US">
                 <a:latin typeface="Microsoft JhengHei" panose="020B0604030504040204" pitchFamily="34" charset="-120"/>
                 <a:ea typeface="Microsoft JhengHei" panose="020B0604030504040204" pitchFamily="34" charset="-120"/>
               </a:rPr>
-              <a:t>順時鐘轉</a:t>
-            </a:r>
+              <a:t>向下扳動</a:t>
+            </a:r>
+            <a:endParaRPr kumimoji="1" lang="zh-TW" altLang="en-US" dirty="0">
+              <a:latin typeface="Microsoft JhengHei" panose="020B0604030504040204" pitchFamily="34" charset="-120"/>
+              <a:ea typeface="Microsoft JhengHei" panose="020B0604030504040204" pitchFamily="34" charset="-120"/>
+            </a:endParaRPr>
           </a:p>
         </p:txBody>
       </p:sp>
@@ -3817,7 +3821,7 @@
                 <a:latin typeface="Microsoft JhengHei" panose="020B0604030504040204" pitchFamily="34" charset="-120"/>
                 <a:ea typeface="Microsoft JhengHei" panose="020B0604030504040204" pitchFamily="34" charset="-120"/>
               </a:rPr>
-              <a:t>逆時鐘轉</a:t>
+              <a:t>向上扳動</a:t>
             </a:r>
           </a:p>
         </p:txBody>
@@ -3837,7 +3841,7 @@
         <p:spPr>
           <a:xfrm>
             <a:off x="5774287" y="4779737"/>
-            <a:ext cx="877163" cy="369332"/>
+            <a:ext cx="1107996" cy="369332"/>
           </a:xfrm>
           <a:prstGeom prst="rect">
             <a:avLst/>
@@ -3855,7 +3859,7 @@
                 <a:latin typeface="Microsoft JhengHei" panose="020B0604030504040204" pitchFamily="34" charset="-120"/>
                 <a:ea typeface="Microsoft JhengHei" panose="020B0604030504040204" pitchFamily="34" charset="-120"/>
               </a:rPr>
-              <a:t>按旋鈕</a:t>
+              <a:t>向右扳動</a:t>
             </a:r>
           </a:p>
         </p:txBody>
@@ -3875,7 +3879,7 @@
         <p:spPr>
           <a:xfrm>
             <a:off x="2228785" y="4779737"/>
-            <a:ext cx="877163" cy="369332"/>
+            <a:ext cx="1107996" cy="369332"/>
           </a:xfrm>
           <a:prstGeom prst="rect">
             <a:avLst/>
@@ -3893,7 +3897,7 @@
                 <a:latin typeface="Microsoft JhengHei" panose="020B0604030504040204" pitchFamily="34" charset="-120"/>
                 <a:ea typeface="Microsoft JhengHei" panose="020B0604030504040204" pitchFamily="34" charset="-120"/>
               </a:rPr>
-              <a:t>按按鈕</a:t>
+              <a:t>向左扳動</a:t>
             </a:r>
           </a:p>
         </p:txBody>
